--- a/doc/icons/Icons.pptx
+++ b/doc/icons/Icons.pptx
@@ -19,12 +19,12 @@
   <p:notesSz cx="6858000" cy="9144000"/>
   <p:embeddedFontLst>
     <p:embeddedFont>
-      <p:font typeface="Rockwell Extra Bold" panose="02060903040505020403" pitchFamily="18" charset="0"/>
-      <p:bold r:id="rId9"/>
+      <p:font typeface="Gill Sans Ultra Bold" panose="020B0A02020104020203" pitchFamily="34" charset="0"/>
+      <p:regular r:id="rId9"/>
     </p:embeddedFont>
     <p:embeddedFont>
-      <p:font typeface="Gill Sans Ultra Bold" panose="020B0A02020104020203" pitchFamily="34" charset="0"/>
-      <p:regular r:id="rId10"/>
+      <p:font typeface="Rockwell Extra Bold" panose="02060903040505020403" pitchFamily="18" charset="0"/>
+      <p:bold r:id="rId10"/>
     </p:embeddedFont>
     <p:embeddedFont>
       <p:font typeface="Calibri" panose="020F0502020204030204" pitchFamily="34" charset="0"/>
@@ -234,7 +234,7 @@
           <a:p>
             <a:fld id="{6699ACB9-486C-4D62-A3A7-AF98E13EFDA3}" type="datetimeFigureOut">
               <a:rPr lang="en-US" smtClean="0"/>
-              <a:t>7/4/2017</a:t>
+              <a:t>7/6/2017</a:t>
             </a:fld>
             <a:endParaRPr lang="en-US"/>
           </a:p>
@@ -765,7 +765,7 @@
             <a:fld id="{1D8BD707-D9CF-40AE-B4C6-C98DA3205C09}" type="datetimeFigureOut">
               <a:rPr lang="en-US" smtClean="0"/>
               <a:pPr/>
-              <a:t>7/4/2017</a:t>
+              <a:t>7/6/2017</a:t>
             </a:fld>
             <a:endParaRPr lang="en-US"/>
           </a:p>
@@ -930,7 +930,7 @@
             <a:fld id="{1D8BD707-D9CF-40AE-B4C6-C98DA3205C09}" type="datetimeFigureOut">
               <a:rPr lang="en-US" smtClean="0"/>
               <a:pPr/>
-              <a:t>7/4/2017</a:t>
+              <a:t>7/6/2017</a:t>
             </a:fld>
             <a:endParaRPr lang="en-US"/>
           </a:p>
@@ -1105,7 +1105,7 @@
             <a:fld id="{1D8BD707-D9CF-40AE-B4C6-C98DA3205C09}" type="datetimeFigureOut">
               <a:rPr lang="en-US" smtClean="0"/>
               <a:pPr/>
-              <a:t>7/4/2017</a:t>
+              <a:t>7/6/2017</a:t>
             </a:fld>
             <a:endParaRPr lang="en-US"/>
           </a:p>
@@ -1270,7 +1270,7 @@
             <a:fld id="{1D8BD707-D9CF-40AE-B4C6-C98DA3205C09}" type="datetimeFigureOut">
               <a:rPr lang="en-US" smtClean="0"/>
               <a:pPr/>
-              <a:t>7/4/2017</a:t>
+              <a:t>7/6/2017</a:t>
             </a:fld>
             <a:endParaRPr lang="en-US"/>
           </a:p>
@@ -1512,7 +1512,7 @@
             <a:fld id="{1D8BD707-D9CF-40AE-B4C6-C98DA3205C09}" type="datetimeFigureOut">
               <a:rPr lang="en-US" smtClean="0"/>
               <a:pPr/>
-              <a:t>7/4/2017</a:t>
+              <a:t>7/6/2017</a:t>
             </a:fld>
             <a:endParaRPr lang="en-US"/>
           </a:p>
@@ -1794,7 +1794,7 @@
             <a:fld id="{1D8BD707-D9CF-40AE-B4C6-C98DA3205C09}" type="datetimeFigureOut">
               <a:rPr lang="en-US" smtClean="0"/>
               <a:pPr/>
-              <a:t>7/4/2017</a:t>
+              <a:t>7/6/2017</a:t>
             </a:fld>
             <a:endParaRPr lang="en-US"/>
           </a:p>
@@ -2210,7 +2210,7 @@
             <a:fld id="{1D8BD707-D9CF-40AE-B4C6-C98DA3205C09}" type="datetimeFigureOut">
               <a:rPr lang="en-US" smtClean="0"/>
               <a:pPr/>
-              <a:t>7/4/2017</a:t>
+              <a:t>7/6/2017</a:t>
             </a:fld>
             <a:endParaRPr lang="en-US"/>
           </a:p>
@@ -2324,7 +2324,7 @@
             <a:fld id="{1D8BD707-D9CF-40AE-B4C6-C98DA3205C09}" type="datetimeFigureOut">
               <a:rPr lang="en-US" smtClean="0"/>
               <a:pPr/>
-              <a:t>7/4/2017</a:t>
+              <a:t>7/6/2017</a:t>
             </a:fld>
             <a:endParaRPr lang="en-US"/>
           </a:p>
@@ -2416,7 +2416,7 @@
             <a:fld id="{1D8BD707-D9CF-40AE-B4C6-C98DA3205C09}" type="datetimeFigureOut">
               <a:rPr lang="en-US" smtClean="0"/>
               <a:pPr/>
-              <a:t>7/4/2017</a:t>
+              <a:t>7/6/2017</a:t>
             </a:fld>
             <a:endParaRPr lang="en-US"/>
           </a:p>
@@ -2688,7 +2688,7 @@
             <a:fld id="{1D8BD707-D9CF-40AE-B4C6-C98DA3205C09}" type="datetimeFigureOut">
               <a:rPr lang="en-US" smtClean="0"/>
               <a:pPr/>
-              <a:t>7/4/2017</a:t>
+              <a:t>7/6/2017</a:t>
             </a:fld>
             <a:endParaRPr lang="en-US"/>
           </a:p>
@@ -2937,7 +2937,7 @@
             <a:fld id="{1D8BD707-D9CF-40AE-B4C6-C98DA3205C09}" type="datetimeFigureOut">
               <a:rPr lang="en-US" smtClean="0"/>
               <a:pPr/>
-              <a:t>7/4/2017</a:t>
+              <a:t>7/6/2017</a:t>
             </a:fld>
             <a:endParaRPr lang="en-US"/>
           </a:p>
@@ -3150,7 +3150,7 @@
             <a:fld id="{1D8BD707-D9CF-40AE-B4C6-C98DA3205C09}" type="datetimeFigureOut">
               <a:rPr lang="en-US" smtClean="0"/>
               <a:pPr/>
-              <a:t>7/4/2017</a:t>
+              <a:t>7/6/2017</a:t>
             </a:fld>
             <a:endParaRPr lang="en-US"/>
           </a:p>
@@ -11598,305 +11598,6 @@
           </a:p>
         </p:txBody>
       </p:sp>
-      <p:grpSp>
-        <p:nvGrpSpPr>
-          <p:cNvPr id="73" name="Group 72"/>
-          <p:cNvGrpSpPr/>
-          <p:nvPr/>
-        </p:nvGrpSpPr>
-        <p:grpSpPr>
-          <a:xfrm>
-            <a:off x="1002575" y="1231726"/>
-            <a:ext cx="838200" cy="838200"/>
-            <a:chOff x="375266" y="5397326"/>
-            <a:chExt cx="838200" cy="838200"/>
-          </a:xfrm>
-        </p:grpSpPr>
-        <p:sp>
-          <p:nvSpPr>
-            <p:cNvPr id="74" name="Rectangle 73"/>
-            <p:cNvSpPr/>
-            <p:nvPr/>
-          </p:nvSpPr>
-          <p:spPr>
-            <a:xfrm>
-              <a:off x="375266" y="5397326"/>
-              <a:ext cx="838200" cy="838200"/>
-            </a:xfrm>
-            <a:prstGeom prst="rect">
-              <a:avLst/>
-            </a:prstGeom>
-            <a:noFill/>
-            <a:ln>
-              <a:noFill/>
-            </a:ln>
-          </p:spPr>
-          <p:style>
-            <a:lnRef idx="2">
-              <a:schemeClr val="accent1">
-                <a:shade val="50000"/>
-              </a:schemeClr>
-            </a:lnRef>
-            <a:fillRef idx="1">
-              <a:schemeClr val="accent1"/>
-            </a:fillRef>
-            <a:effectRef idx="0">
-              <a:schemeClr val="accent1"/>
-            </a:effectRef>
-            <a:fontRef idx="minor">
-              <a:schemeClr val="lt1"/>
-            </a:fontRef>
-          </p:style>
-          <p:txBody>
-            <a:bodyPr rtlCol="0" anchor="ctr"/>
-            <a:lstStyle/>
-            <a:p>
-              <a:pPr algn="ctr"/>
-              <a:endParaRPr lang="en-SG"/>
-            </a:p>
-          </p:txBody>
-        </p:sp>
-        <p:sp>
-          <p:nvSpPr>
-            <p:cNvPr id="75" name="Rectangle 4"/>
-            <p:cNvSpPr/>
-            <p:nvPr/>
-          </p:nvSpPr>
-          <p:spPr>
-            <a:xfrm rot="16200000">
-              <a:off x="444221" y="5470529"/>
-              <a:ext cx="700291" cy="690781"/>
-            </a:xfrm>
-            <a:custGeom>
-              <a:avLst/>
-              <a:gdLst/>
-              <a:ahLst/>
-              <a:cxnLst/>
-              <a:rect l="l" t="t" r="r" b="b"/>
-              <a:pathLst>
-                <a:path w="1752603" h="1752600">
-                  <a:moveTo>
-                    <a:pt x="533400" y="0"/>
-                  </a:moveTo>
-                  <a:lnTo>
-                    <a:pt x="533403" y="0"/>
-                  </a:lnTo>
-                  <a:lnTo>
-                    <a:pt x="1066800" y="0"/>
-                  </a:lnTo>
-                  <a:lnTo>
-                    <a:pt x="1752603" y="0"/>
-                  </a:lnTo>
-                  <a:lnTo>
-                    <a:pt x="1752603" y="1752600"/>
-                  </a:lnTo>
-                  <a:lnTo>
-                    <a:pt x="1219203" y="1752600"/>
-                  </a:lnTo>
-                  <a:lnTo>
-                    <a:pt x="533403" y="1752600"/>
-                  </a:lnTo>
-                  <a:lnTo>
-                    <a:pt x="3" y="1752600"/>
-                  </a:lnTo>
-                  <a:lnTo>
-                    <a:pt x="3" y="533430"/>
-                  </a:lnTo>
-                  <a:cubicBezTo>
-                    <a:pt x="0" y="533420"/>
-                    <a:pt x="0" y="533410"/>
-                    <a:pt x="0" y="533400"/>
-                  </a:cubicBezTo>
-                  <a:cubicBezTo>
-                    <a:pt x="0" y="238811"/>
-                    <a:pt x="238811" y="0"/>
-                    <a:pt x="533400" y="0"/>
-                  </a:cubicBezTo>
-                  <a:close/>
-                </a:path>
-              </a:pathLst>
-            </a:custGeom>
-            <a:noFill/>
-            <a:ln w="76200" cmpd="sng">
-              <a:solidFill>
-                <a:srgbClr val="0070C0"/>
-              </a:solidFill>
-              <a:miter lim="800000"/>
-            </a:ln>
-          </p:spPr>
-          <p:style>
-            <a:lnRef idx="2">
-              <a:schemeClr val="accent1">
-                <a:shade val="50000"/>
-              </a:schemeClr>
-            </a:lnRef>
-            <a:fillRef idx="1">
-              <a:schemeClr val="accent1"/>
-            </a:fillRef>
-            <a:effectRef idx="0">
-              <a:schemeClr val="accent1"/>
-            </a:effectRef>
-            <a:fontRef idx="minor">
-              <a:schemeClr val="lt1"/>
-            </a:fontRef>
-          </p:style>
-          <p:txBody>
-            <a:bodyPr rtlCol="0" anchor="ctr"/>
-            <a:lstStyle/>
-            <a:p>
-              <a:pPr algn="ctr"/>
-              <a:endParaRPr lang="en-US"/>
-            </a:p>
-          </p:txBody>
-        </p:sp>
-        <p:sp>
-          <p:nvSpPr>
-            <p:cNvPr id="76" name="Teardrop 75"/>
-            <p:cNvSpPr/>
-            <p:nvPr/>
-          </p:nvSpPr>
-          <p:spPr>
-            <a:xfrm>
-              <a:off x="747877" y="5557049"/>
-              <a:ext cx="309672" cy="307175"/>
-            </a:xfrm>
-            <a:prstGeom prst="teardrop">
-              <a:avLst/>
-            </a:prstGeom>
-            <a:solidFill>
-              <a:srgbClr val="0070C0"/>
-            </a:solidFill>
-            <a:ln w="19050">
-              <a:solidFill>
-                <a:schemeClr val="bg1"/>
-              </a:solidFill>
-            </a:ln>
-            <a:effectLst/>
-          </p:spPr>
-          <p:style>
-            <a:lnRef idx="2">
-              <a:schemeClr val="accent1">
-                <a:shade val="50000"/>
-              </a:schemeClr>
-            </a:lnRef>
-            <a:fillRef idx="1">
-              <a:schemeClr val="accent1"/>
-            </a:fillRef>
-            <a:effectRef idx="0">
-              <a:schemeClr val="accent1"/>
-            </a:effectRef>
-            <a:fontRef idx="minor">
-              <a:schemeClr val="lt1"/>
-            </a:fontRef>
-          </p:style>
-          <p:txBody>
-            <a:bodyPr rtlCol="0" anchor="ctr"/>
-            <a:lstStyle/>
-            <a:p>
-              <a:pPr algn="ctr"/>
-              <a:endParaRPr lang="en-SG"/>
-            </a:p>
-          </p:txBody>
-        </p:sp>
-        <p:sp>
-          <p:nvSpPr>
-            <p:cNvPr id="77" name="Flowchart: Process 76"/>
-            <p:cNvSpPr/>
-            <p:nvPr/>
-          </p:nvSpPr>
-          <p:spPr>
-            <a:xfrm>
-              <a:off x="544174" y="5670551"/>
-              <a:ext cx="299506" cy="256598"/>
-            </a:xfrm>
-            <a:prstGeom prst="flowChartProcess">
-              <a:avLst/>
-            </a:prstGeom>
-            <a:solidFill>
-              <a:schemeClr val="accent6"/>
-            </a:solidFill>
-            <a:ln w="19050">
-              <a:solidFill>
-                <a:schemeClr val="bg1"/>
-              </a:solidFill>
-            </a:ln>
-            <a:effectLst/>
-          </p:spPr>
-          <p:style>
-            <a:lnRef idx="2">
-              <a:schemeClr val="accent1">
-                <a:shade val="50000"/>
-              </a:schemeClr>
-            </a:lnRef>
-            <a:fillRef idx="1">
-              <a:schemeClr val="accent1"/>
-            </a:fillRef>
-            <a:effectRef idx="0">
-              <a:schemeClr val="accent1"/>
-            </a:effectRef>
-            <a:fontRef idx="minor">
-              <a:schemeClr val="lt1"/>
-            </a:fontRef>
-          </p:style>
-          <p:txBody>
-            <a:bodyPr rtlCol="0" anchor="ctr"/>
-            <a:lstStyle/>
-            <a:p>
-              <a:pPr algn="ctr"/>
-              <a:endParaRPr lang="en-SG"/>
-            </a:p>
-          </p:txBody>
-        </p:sp>
-        <p:sp>
-          <p:nvSpPr>
-            <p:cNvPr id="78" name="Flowchart: Magnetic Disk 77"/>
-            <p:cNvSpPr/>
-            <p:nvPr/>
-          </p:nvSpPr>
-          <p:spPr>
-            <a:xfrm>
-              <a:off x="721676" y="5747165"/>
-              <a:ext cx="258469" cy="315518"/>
-            </a:xfrm>
-            <a:prstGeom prst="flowChartMagneticDisk">
-              <a:avLst/>
-            </a:prstGeom>
-            <a:solidFill>
-              <a:schemeClr val="accent6"/>
-            </a:solidFill>
-            <a:ln w="19050">
-              <a:solidFill>
-                <a:schemeClr val="bg1"/>
-              </a:solidFill>
-            </a:ln>
-            <a:effectLst/>
-          </p:spPr>
-          <p:style>
-            <a:lnRef idx="2">
-              <a:schemeClr val="accent1">
-                <a:shade val="50000"/>
-              </a:schemeClr>
-            </a:lnRef>
-            <a:fillRef idx="1">
-              <a:schemeClr val="accent1"/>
-            </a:fillRef>
-            <a:effectRef idx="0">
-              <a:schemeClr val="accent1"/>
-            </a:effectRef>
-            <a:fontRef idx="minor">
-              <a:schemeClr val="lt1"/>
-            </a:fontRef>
-          </p:style>
-          <p:txBody>
-            <a:bodyPr rtlCol="0" anchor="ctr"/>
-            <a:lstStyle/>
-            <a:p>
-              <a:pPr algn="ctr"/>
-              <a:endParaRPr lang="en-SG"/>
-            </a:p>
-          </p:txBody>
-        </p:sp>
-      </p:grpSp>
       <p:sp>
         <p:nvSpPr>
           <p:cNvPr id="83" name="[TextBox 40]"/>
@@ -12429,6 +12130,1017 @@
           </a:p>
         </p:txBody>
       </p:sp>
+      <p:grpSp>
+        <p:nvGrpSpPr>
+          <p:cNvPr id="23" name="Group 22">
+            <a:extLst>
+              <a:ext uri="{FF2B5EF4-FFF2-40B4-BE49-F238E27FC236}">
+                <a16:creationId xmlns:a16="http://schemas.microsoft.com/office/drawing/2014/main" id="{921933EC-106B-4E3E-8DD0-3D523185B969}"/>
+              </a:ext>
+            </a:extLst>
+          </p:cNvPr>
+          <p:cNvGrpSpPr/>
+          <p:nvPr/>
+        </p:nvGrpSpPr>
+        <p:grpSpPr>
+          <a:xfrm>
+            <a:off x="6675399" y="1504951"/>
+            <a:ext cx="838200" cy="838200"/>
+            <a:chOff x="375266" y="5397326"/>
+            <a:chExt cx="838200" cy="838200"/>
+          </a:xfrm>
+        </p:grpSpPr>
+        <p:sp>
+          <p:nvSpPr>
+            <p:cNvPr id="24" name="Rectangle 23">
+              <a:extLst>
+                <a:ext uri="{FF2B5EF4-FFF2-40B4-BE49-F238E27FC236}">
+                  <a16:creationId xmlns:a16="http://schemas.microsoft.com/office/drawing/2014/main" id="{AA53D94F-46FE-471A-9CA8-06E22481C569}"/>
+                </a:ext>
+              </a:extLst>
+            </p:cNvPr>
+            <p:cNvSpPr/>
+            <p:nvPr/>
+          </p:nvSpPr>
+          <p:spPr>
+            <a:xfrm>
+              <a:off x="375266" y="5397326"/>
+              <a:ext cx="838200" cy="838200"/>
+            </a:xfrm>
+            <a:prstGeom prst="rect">
+              <a:avLst/>
+            </a:prstGeom>
+            <a:noFill/>
+            <a:ln>
+              <a:noFill/>
+            </a:ln>
+          </p:spPr>
+          <p:style>
+            <a:lnRef idx="2">
+              <a:schemeClr val="accent1">
+                <a:shade val="50000"/>
+              </a:schemeClr>
+            </a:lnRef>
+            <a:fillRef idx="1">
+              <a:schemeClr val="accent1"/>
+            </a:fillRef>
+            <a:effectRef idx="0">
+              <a:schemeClr val="accent1"/>
+            </a:effectRef>
+            <a:fontRef idx="minor">
+              <a:schemeClr val="lt1"/>
+            </a:fontRef>
+          </p:style>
+          <p:txBody>
+            <a:bodyPr rtlCol="0" anchor="ctr"/>
+            <a:lstStyle/>
+            <a:p>
+              <a:pPr algn="ctr"/>
+              <a:endParaRPr lang="en-SG"/>
+            </a:p>
+          </p:txBody>
+        </p:sp>
+        <p:sp>
+          <p:nvSpPr>
+            <p:cNvPr id="25" name="Rectangle 4">
+              <a:extLst>
+                <a:ext uri="{FF2B5EF4-FFF2-40B4-BE49-F238E27FC236}">
+                  <a16:creationId xmlns:a16="http://schemas.microsoft.com/office/drawing/2014/main" id="{81DD65C0-E4EE-4962-B6C3-9DF6DBB695AB}"/>
+                </a:ext>
+              </a:extLst>
+            </p:cNvPr>
+            <p:cNvSpPr/>
+            <p:nvPr/>
+          </p:nvSpPr>
+          <p:spPr>
+            <a:xfrm rot="16200000">
+              <a:off x="444221" y="5470529"/>
+              <a:ext cx="700291" cy="690781"/>
+            </a:xfrm>
+            <a:custGeom>
+              <a:avLst/>
+              <a:gdLst/>
+              <a:ahLst/>
+              <a:cxnLst/>
+              <a:rect l="l" t="t" r="r" b="b"/>
+              <a:pathLst>
+                <a:path w="1752603" h="1752600">
+                  <a:moveTo>
+                    <a:pt x="533400" y="0"/>
+                  </a:moveTo>
+                  <a:lnTo>
+                    <a:pt x="533403" y="0"/>
+                  </a:lnTo>
+                  <a:lnTo>
+                    <a:pt x="1066800" y="0"/>
+                  </a:lnTo>
+                  <a:lnTo>
+                    <a:pt x="1752603" y="0"/>
+                  </a:lnTo>
+                  <a:lnTo>
+                    <a:pt x="1752603" y="1752600"/>
+                  </a:lnTo>
+                  <a:lnTo>
+                    <a:pt x="1219203" y="1752600"/>
+                  </a:lnTo>
+                  <a:lnTo>
+                    <a:pt x="533403" y="1752600"/>
+                  </a:lnTo>
+                  <a:lnTo>
+                    <a:pt x="3" y="1752600"/>
+                  </a:lnTo>
+                  <a:lnTo>
+                    <a:pt x="3" y="533430"/>
+                  </a:lnTo>
+                  <a:cubicBezTo>
+                    <a:pt x="0" y="533420"/>
+                    <a:pt x="0" y="533410"/>
+                    <a:pt x="0" y="533400"/>
+                  </a:cubicBezTo>
+                  <a:cubicBezTo>
+                    <a:pt x="0" y="238811"/>
+                    <a:pt x="238811" y="0"/>
+                    <a:pt x="533400" y="0"/>
+                  </a:cubicBezTo>
+                  <a:close/>
+                </a:path>
+              </a:pathLst>
+            </a:custGeom>
+            <a:noFill/>
+            <a:ln w="76200" cmpd="sng">
+              <a:solidFill>
+                <a:srgbClr val="0070C0"/>
+              </a:solidFill>
+              <a:miter lim="800000"/>
+            </a:ln>
+          </p:spPr>
+          <p:style>
+            <a:lnRef idx="2">
+              <a:schemeClr val="accent1">
+                <a:shade val="50000"/>
+              </a:schemeClr>
+            </a:lnRef>
+            <a:fillRef idx="1">
+              <a:schemeClr val="accent1"/>
+            </a:fillRef>
+            <a:effectRef idx="0">
+              <a:schemeClr val="accent1"/>
+            </a:effectRef>
+            <a:fontRef idx="minor">
+              <a:schemeClr val="lt1"/>
+            </a:fontRef>
+          </p:style>
+          <p:txBody>
+            <a:bodyPr rtlCol="0" anchor="ctr"/>
+            <a:lstStyle/>
+            <a:p>
+              <a:pPr algn="ctr"/>
+              <a:endParaRPr lang="en-US"/>
+            </a:p>
+          </p:txBody>
+        </p:sp>
+        <p:sp>
+          <p:nvSpPr>
+            <p:cNvPr id="26" name="Teardrop 25">
+              <a:extLst>
+                <a:ext uri="{FF2B5EF4-FFF2-40B4-BE49-F238E27FC236}">
+                  <a16:creationId xmlns:a16="http://schemas.microsoft.com/office/drawing/2014/main" id="{7D00BC5F-D990-4C06-9155-8DA944E6F155}"/>
+                </a:ext>
+              </a:extLst>
+            </p:cNvPr>
+            <p:cNvSpPr/>
+            <p:nvPr/>
+          </p:nvSpPr>
+          <p:spPr>
+            <a:xfrm>
+              <a:off x="747877" y="5557049"/>
+              <a:ext cx="309672" cy="307175"/>
+            </a:xfrm>
+            <a:prstGeom prst="teardrop">
+              <a:avLst/>
+            </a:prstGeom>
+            <a:solidFill>
+              <a:srgbClr val="0070C0"/>
+            </a:solidFill>
+            <a:ln w="19050">
+              <a:solidFill>
+                <a:schemeClr val="bg1"/>
+              </a:solidFill>
+            </a:ln>
+            <a:effectLst/>
+          </p:spPr>
+          <p:style>
+            <a:lnRef idx="2">
+              <a:schemeClr val="accent1">
+                <a:shade val="50000"/>
+              </a:schemeClr>
+            </a:lnRef>
+            <a:fillRef idx="1">
+              <a:schemeClr val="accent1"/>
+            </a:fillRef>
+            <a:effectRef idx="0">
+              <a:schemeClr val="accent1"/>
+            </a:effectRef>
+            <a:fontRef idx="minor">
+              <a:schemeClr val="lt1"/>
+            </a:fontRef>
+          </p:style>
+          <p:txBody>
+            <a:bodyPr rtlCol="0" anchor="ctr"/>
+            <a:lstStyle/>
+            <a:p>
+              <a:pPr algn="ctr"/>
+              <a:endParaRPr lang="en-SG"/>
+            </a:p>
+          </p:txBody>
+        </p:sp>
+        <p:sp>
+          <p:nvSpPr>
+            <p:cNvPr id="27" name="Flowchart: Process 26">
+              <a:extLst>
+                <a:ext uri="{FF2B5EF4-FFF2-40B4-BE49-F238E27FC236}">
+                  <a16:creationId xmlns:a16="http://schemas.microsoft.com/office/drawing/2014/main" id="{E7A80D57-4D2C-4D2C-8171-E78C044F8B35}"/>
+                </a:ext>
+              </a:extLst>
+            </p:cNvPr>
+            <p:cNvSpPr/>
+            <p:nvPr/>
+          </p:nvSpPr>
+          <p:spPr>
+            <a:xfrm>
+              <a:off x="544174" y="5670551"/>
+              <a:ext cx="299506" cy="256598"/>
+            </a:xfrm>
+            <a:prstGeom prst="flowChartProcess">
+              <a:avLst/>
+            </a:prstGeom>
+            <a:solidFill>
+              <a:schemeClr val="accent6"/>
+            </a:solidFill>
+            <a:ln w="19050">
+              <a:solidFill>
+                <a:schemeClr val="bg1"/>
+              </a:solidFill>
+            </a:ln>
+            <a:effectLst/>
+          </p:spPr>
+          <p:style>
+            <a:lnRef idx="2">
+              <a:schemeClr val="accent1">
+                <a:shade val="50000"/>
+              </a:schemeClr>
+            </a:lnRef>
+            <a:fillRef idx="1">
+              <a:schemeClr val="accent1"/>
+            </a:fillRef>
+            <a:effectRef idx="0">
+              <a:schemeClr val="accent1"/>
+            </a:effectRef>
+            <a:fontRef idx="minor">
+              <a:schemeClr val="lt1"/>
+            </a:fontRef>
+          </p:style>
+          <p:txBody>
+            <a:bodyPr rtlCol="0" anchor="ctr"/>
+            <a:lstStyle/>
+            <a:p>
+              <a:pPr algn="ctr"/>
+              <a:endParaRPr lang="en-SG" dirty="0"/>
+            </a:p>
+          </p:txBody>
+        </p:sp>
+        <p:sp>
+          <p:nvSpPr>
+            <p:cNvPr id="28" name="Flowchart: Magnetic Disk 27">
+              <a:extLst>
+                <a:ext uri="{FF2B5EF4-FFF2-40B4-BE49-F238E27FC236}">
+                  <a16:creationId xmlns:a16="http://schemas.microsoft.com/office/drawing/2014/main" id="{F5AAE070-6B6B-401C-A8EB-BCAFF85D4F99}"/>
+                </a:ext>
+              </a:extLst>
+            </p:cNvPr>
+            <p:cNvSpPr/>
+            <p:nvPr/>
+          </p:nvSpPr>
+          <p:spPr>
+            <a:xfrm>
+              <a:off x="721676" y="5747165"/>
+              <a:ext cx="258469" cy="315518"/>
+            </a:xfrm>
+            <a:prstGeom prst="flowChartMagneticDisk">
+              <a:avLst/>
+            </a:prstGeom>
+            <a:solidFill>
+              <a:schemeClr val="accent6"/>
+            </a:solidFill>
+            <a:ln w="19050">
+              <a:solidFill>
+                <a:schemeClr val="bg1"/>
+              </a:solidFill>
+            </a:ln>
+            <a:effectLst/>
+          </p:spPr>
+          <p:style>
+            <a:lnRef idx="2">
+              <a:schemeClr val="accent1">
+                <a:shade val="50000"/>
+              </a:schemeClr>
+            </a:lnRef>
+            <a:fillRef idx="1">
+              <a:schemeClr val="accent1"/>
+            </a:fillRef>
+            <a:effectRef idx="0">
+              <a:schemeClr val="accent1"/>
+            </a:effectRef>
+            <a:fontRef idx="minor">
+              <a:schemeClr val="lt1"/>
+            </a:fontRef>
+          </p:style>
+          <p:txBody>
+            <a:bodyPr rtlCol="0" anchor="ctr"/>
+            <a:lstStyle/>
+            <a:p>
+              <a:pPr algn="ctr"/>
+              <a:endParaRPr lang="en-SG"/>
+            </a:p>
+          </p:txBody>
+        </p:sp>
+      </p:grpSp>
+      <p:grpSp>
+        <p:nvGrpSpPr>
+          <p:cNvPr id="7" name="Group 6">
+            <a:extLst>
+              <a:ext uri="{FF2B5EF4-FFF2-40B4-BE49-F238E27FC236}">
+                <a16:creationId xmlns:a16="http://schemas.microsoft.com/office/drawing/2014/main" id="{09BF7D76-61D6-4A96-A6E1-E3AFA97704C7}"/>
+              </a:ext>
+            </a:extLst>
+          </p:cNvPr>
+          <p:cNvGrpSpPr/>
+          <p:nvPr/>
+        </p:nvGrpSpPr>
+        <p:grpSpPr>
+          <a:xfrm>
+            <a:off x="1002575" y="1231726"/>
+            <a:ext cx="838200" cy="838200"/>
+            <a:chOff x="1002575" y="1231726"/>
+            <a:chExt cx="838200" cy="838200"/>
+          </a:xfrm>
+        </p:grpSpPr>
+        <p:grpSp>
+          <p:nvGrpSpPr>
+            <p:cNvPr id="73" name="Group 72"/>
+            <p:cNvGrpSpPr/>
+            <p:nvPr/>
+          </p:nvGrpSpPr>
+          <p:grpSpPr>
+            <a:xfrm>
+              <a:off x="1002575" y="1231726"/>
+              <a:ext cx="838200" cy="838200"/>
+              <a:chOff x="375266" y="5397326"/>
+              <a:chExt cx="838200" cy="838200"/>
+            </a:xfrm>
+          </p:grpSpPr>
+          <p:sp>
+            <p:nvSpPr>
+              <p:cNvPr id="74" name="Rectangle 73"/>
+              <p:cNvSpPr/>
+              <p:nvPr/>
+            </p:nvSpPr>
+            <p:spPr>
+              <a:xfrm>
+                <a:off x="375266" y="5397326"/>
+                <a:ext cx="838200" cy="838200"/>
+              </a:xfrm>
+              <a:prstGeom prst="rect">
+                <a:avLst/>
+              </a:prstGeom>
+              <a:noFill/>
+              <a:ln>
+                <a:noFill/>
+              </a:ln>
+            </p:spPr>
+            <p:style>
+              <a:lnRef idx="2">
+                <a:schemeClr val="accent1">
+                  <a:shade val="50000"/>
+                </a:schemeClr>
+              </a:lnRef>
+              <a:fillRef idx="1">
+                <a:schemeClr val="accent1"/>
+              </a:fillRef>
+              <a:effectRef idx="0">
+                <a:schemeClr val="accent1"/>
+              </a:effectRef>
+              <a:fontRef idx="minor">
+                <a:schemeClr val="lt1"/>
+              </a:fontRef>
+            </p:style>
+            <p:txBody>
+              <a:bodyPr rtlCol="0" anchor="ctr"/>
+              <a:lstStyle/>
+              <a:p>
+                <a:pPr algn="ctr"/>
+                <a:endParaRPr lang="en-SG"/>
+              </a:p>
+            </p:txBody>
+          </p:sp>
+          <p:sp>
+            <p:nvSpPr>
+              <p:cNvPr id="75" name="Rectangle 4"/>
+              <p:cNvSpPr/>
+              <p:nvPr/>
+            </p:nvSpPr>
+            <p:spPr>
+              <a:xfrm rot="16200000">
+                <a:off x="444221" y="5470529"/>
+                <a:ext cx="700291" cy="690781"/>
+              </a:xfrm>
+              <a:custGeom>
+                <a:avLst/>
+                <a:gdLst/>
+                <a:ahLst/>
+                <a:cxnLst/>
+                <a:rect l="l" t="t" r="r" b="b"/>
+                <a:pathLst>
+                  <a:path w="1752603" h="1752600">
+                    <a:moveTo>
+                      <a:pt x="533400" y="0"/>
+                    </a:moveTo>
+                    <a:lnTo>
+                      <a:pt x="533403" y="0"/>
+                    </a:lnTo>
+                    <a:lnTo>
+                      <a:pt x="1066800" y="0"/>
+                    </a:lnTo>
+                    <a:lnTo>
+                      <a:pt x="1752603" y="0"/>
+                    </a:lnTo>
+                    <a:lnTo>
+                      <a:pt x="1752603" y="1752600"/>
+                    </a:lnTo>
+                    <a:lnTo>
+                      <a:pt x="1219203" y="1752600"/>
+                    </a:lnTo>
+                    <a:lnTo>
+                      <a:pt x="533403" y="1752600"/>
+                    </a:lnTo>
+                    <a:lnTo>
+                      <a:pt x="3" y="1752600"/>
+                    </a:lnTo>
+                    <a:lnTo>
+                      <a:pt x="3" y="533430"/>
+                    </a:lnTo>
+                    <a:cubicBezTo>
+                      <a:pt x="0" y="533420"/>
+                      <a:pt x="0" y="533410"/>
+                      <a:pt x="0" y="533400"/>
+                    </a:cubicBezTo>
+                    <a:cubicBezTo>
+                      <a:pt x="0" y="238811"/>
+                      <a:pt x="238811" y="0"/>
+                      <a:pt x="533400" y="0"/>
+                    </a:cubicBezTo>
+                    <a:close/>
+                  </a:path>
+                </a:pathLst>
+              </a:custGeom>
+              <a:noFill/>
+              <a:ln w="76200" cmpd="sng">
+                <a:solidFill>
+                  <a:srgbClr val="0070C0"/>
+                </a:solidFill>
+                <a:miter lim="800000"/>
+              </a:ln>
+            </p:spPr>
+            <p:style>
+              <a:lnRef idx="2">
+                <a:schemeClr val="accent1">
+                  <a:shade val="50000"/>
+                </a:schemeClr>
+              </a:lnRef>
+              <a:fillRef idx="1">
+                <a:schemeClr val="accent1"/>
+              </a:fillRef>
+              <a:effectRef idx="0">
+                <a:schemeClr val="accent1"/>
+              </a:effectRef>
+              <a:fontRef idx="minor">
+                <a:schemeClr val="lt1"/>
+              </a:fontRef>
+            </p:style>
+            <p:txBody>
+              <a:bodyPr rtlCol="0" anchor="ctr"/>
+              <a:lstStyle/>
+              <a:p>
+                <a:pPr algn="ctr"/>
+                <a:endParaRPr lang="en-US"/>
+              </a:p>
+            </p:txBody>
+          </p:sp>
+        </p:grpSp>
+        <p:grpSp>
+          <p:nvGrpSpPr>
+            <p:cNvPr id="6" name="Group 5">
+              <a:extLst>
+                <a:ext uri="{FF2B5EF4-FFF2-40B4-BE49-F238E27FC236}">
+                  <a16:creationId xmlns:a16="http://schemas.microsoft.com/office/drawing/2014/main" id="{C9C4A142-D2DA-4111-B40E-80C85F720FE0}"/>
+                </a:ext>
+              </a:extLst>
+            </p:cNvPr>
+            <p:cNvGrpSpPr/>
+            <p:nvPr/>
+          </p:nvGrpSpPr>
+          <p:grpSpPr>
+            <a:xfrm>
+              <a:off x="1166712" y="1386860"/>
+              <a:ext cx="524936" cy="494649"/>
+              <a:chOff x="5757427" y="1686899"/>
+              <a:chExt cx="524936" cy="494649"/>
+            </a:xfrm>
+          </p:grpSpPr>
+          <p:sp>
+            <p:nvSpPr>
+              <p:cNvPr id="33" name="Freeform: Shape 32">
+                <a:extLst>
+                  <a:ext uri="{FF2B5EF4-FFF2-40B4-BE49-F238E27FC236}">
+                    <a16:creationId xmlns:a16="http://schemas.microsoft.com/office/drawing/2014/main" id="{4DE49E31-D3DE-461B-883C-371AA722C35A}"/>
+                  </a:ext>
+                </a:extLst>
+              </p:cNvPr>
+              <p:cNvSpPr/>
+              <p:nvPr/>
+            </p:nvSpPr>
+            <p:spPr>
+              <a:xfrm>
+                <a:off x="5982066" y="1686899"/>
+                <a:ext cx="300297" cy="279631"/>
+              </a:xfrm>
+              <a:custGeom>
+                <a:avLst/>
+                <a:gdLst>
+                  <a:gd name="connsiteX0" fmla="*/ 145461 w 300297"/>
+                  <a:gd name="connsiteY0" fmla="*/ 0 h 279631"/>
+                  <a:gd name="connsiteX1" fmla="*/ 300297 w 300297"/>
+                  <a:gd name="connsiteY1" fmla="*/ 0 h 279631"/>
+                  <a:gd name="connsiteX2" fmla="*/ 300297 w 300297"/>
+                  <a:gd name="connsiteY2" fmla="*/ 153588 h 279631"/>
+                  <a:gd name="connsiteX3" fmla="*/ 254947 w 300297"/>
+                  <a:gd name="connsiteY3" fmla="*/ 262191 h 279631"/>
+                  <a:gd name="connsiteX4" fmla="*/ 228869 w 300297"/>
+                  <a:gd name="connsiteY4" fmla="*/ 279631 h 279631"/>
+                  <a:gd name="connsiteX5" fmla="*/ 228869 w 300297"/>
+                  <a:gd name="connsiteY5" fmla="*/ 236737 h 279631"/>
+                  <a:gd name="connsiteX6" fmla="*/ 99635 w 300297"/>
+                  <a:gd name="connsiteY6" fmla="*/ 184140 h 279631"/>
+                  <a:gd name="connsiteX7" fmla="*/ 92404 w 300297"/>
+                  <a:gd name="connsiteY7" fmla="*/ 184734 h 279631"/>
+                  <a:gd name="connsiteX8" fmla="*/ 92404 w 300297"/>
+                  <a:gd name="connsiteY8" fmla="*/ 107526 h 279631"/>
+                  <a:gd name="connsiteX9" fmla="*/ 0 w 300297"/>
+                  <a:gd name="connsiteY9" fmla="*/ 107526 h 279631"/>
+                  <a:gd name="connsiteX10" fmla="*/ 2793 w 300297"/>
+                  <a:gd name="connsiteY10" fmla="*/ 93805 h 279631"/>
+                  <a:gd name="connsiteX11" fmla="*/ 145461 w 300297"/>
+                  <a:gd name="connsiteY11" fmla="*/ 0 h 279631"/>
+                </a:gdLst>
+                <a:ahLst/>
+                <a:cxnLst>
+                  <a:cxn ang="0">
+                    <a:pos x="connsiteX0" y="connsiteY0"/>
+                  </a:cxn>
+                  <a:cxn ang="0">
+                    <a:pos x="connsiteX1" y="connsiteY1"/>
+                  </a:cxn>
+                  <a:cxn ang="0">
+                    <a:pos x="connsiteX2" y="connsiteY2"/>
+                  </a:cxn>
+                  <a:cxn ang="0">
+                    <a:pos x="connsiteX3" y="connsiteY3"/>
+                  </a:cxn>
+                  <a:cxn ang="0">
+                    <a:pos x="connsiteX4" y="connsiteY4"/>
+                  </a:cxn>
+                  <a:cxn ang="0">
+                    <a:pos x="connsiteX5" y="connsiteY5"/>
+                  </a:cxn>
+                  <a:cxn ang="0">
+                    <a:pos x="connsiteX6" y="connsiteY6"/>
+                  </a:cxn>
+                  <a:cxn ang="0">
+                    <a:pos x="connsiteX7" y="connsiteY7"/>
+                  </a:cxn>
+                  <a:cxn ang="0">
+                    <a:pos x="connsiteX8" y="connsiteY8"/>
+                  </a:cxn>
+                  <a:cxn ang="0">
+                    <a:pos x="connsiteX9" y="connsiteY9"/>
+                  </a:cxn>
+                  <a:cxn ang="0">
+                    <a:pos x="connsiteX10" y="connsiteY10"/>
+                  </a:cxn>
+                  <a:cxn ang="0">
+                    <a:pos x="connsiteX11" y="connsiteY11"/>
+                  </a:cxn>
+                </a:cxnLst>
+                <a:rect l="l" t="t" r="r" b="b"/>
+                <a:pathLst>
+                  <a:path w="300297" h="279631">
+                    <a:moveTo>
+                      <a:pt x="145461" y="0"/>
+                    </a:moveTo>
+                    <a:lnTo>
+                      <a:pt x="300297" y="0"/>
+                    </a:lnTo>
+                    <a:lnTo>
+                      <a:pt x="300297" y="153588"/>
+                    </a:lnTo>
+                    <a:cubicBezTo>
+                      <a:pt x="300297" y="196000"/>
+                      <a:pt x="282967" y="234397"/>
+                      <a:pt x="254947" y="262191"/>
+                    </a:cubicBezTo>
+                    <a:lnTo>
+                      <a:pt x="228869" y="279631"/>
+                    </a:lnTo>
+                    <a:lnTo>
+                      <a:pt x="228869" y="236737"/>
+                    </a:lnTo>
+                    <a:cubicBezTo>
+                      <a:pt x="228869" y="207678"/>
+                      <a:pt x="170998" y="184140"/>
+                      <a:pt x="99635" y="184140"/>
+                    </a:cubicBezTo>
+                    <a:lnTo>
+                      <a:pt x="92404" y="184734"/>
+                    </a:lnTo>
+                    <a:lnTo>
+                      <a:pt x="92404" y="107526"/>
+                    </a:lnTo>
+                    <a:lnTo>
+                      <a:pt x="0" y="107526"/>
+                    </a:lnTo>
+                    <a:lnTo>
+                      <a:pt x="2793" y="93805"/>
+                    </a:lnTo>
+                    <a:cubicBezTo>
+                      <a:pt x="26298" y="38680"/>
+                      <a:pt x="81326" y="0"/>
+                      <a:pt x="145461" y="0"/>
+                    </a:cubicBezTo>
+                    <a:close/>
+                  </a:path>
+                </a:pathLst>
+              </a:custGeom>
+              <a:solidFill>
+                <a:srgbClr val="0070C0"/>
+              </a:solidFill>
+              <a:ln w="19050">
+                <a:noFill/>
+              </a:ln>
+              <a:effectLst/>
+            </p:spPr>
+            <p:style>
+              <a:lnRef idx="2">
+                <a:schemeClr val="accent1">
+                  <a:shade val="50000"/>
+                </a:schemeClr>
+              </a:lnRef>
+              <a:fillRef idx="1">
+                <a:schemeClr val="accent1"/>
+              </a:fillRef>
+              <a:effectRef idx="0">
+                <a:schemeClr val="accent1"/>
+              </a:effectRef>
+              <a:fontRef idx="minor">
+                <a:schemeClr val="lt1"/>
+              </a:fontRef>
+            </p:style>
+            <p:txBody>
+              <a:bodyPr wrap="square" rtlCol="0" anchor="ctr">
+                <a:noAutofit/>
+              </a:bodyPr>
+              <a:lstStyle/>
+              <a:p>
+                <a:pPr algn="ctr"/>
+                <a:endParaRPr lang="en-SG"/>
+              </a:p>
+            </p:txBody>
+          </p:sp>
+          <p:sp>
+            <p:nvSpPr>
+              <p:cNvPr id="36" name="Freeform: Shape 35">
+                <a:extLst>
+                  <a:ext uri="{FF2B5EF4-FFF2-40B4-BE49-F238E27FC236}">
+                    <a16:creationId xmlns:a16="http://schemas.microsoft.com/office/drawing/2014/main" id="{07B3B7EA-E590-4567-84E4-1F751CC7F9DA}"/>
+                  </a:ext>
+                </a:extLst>
+              </p:cNvPr>
+              <p:cNvSpPr/>
+              <p:nvPr/>
+            </p:nvSpPr>
+            <p:spPr>
+              <a:xfrm>
+                <a:off x="5757427" y="1810185"/>
+                <a:ext cx="299506" cy="256598"/>
+              </a:xfrm>
+              <a:custGeom>
+                <a:avLst/>
+                <a:gdLst>
+                  <a:gd name="connsiteX0" fmla="*/ 0 w 299506"/>
+                  <a:gd name="connsiteY0" fmla="*/ 0 h 256598"/>
+                  <a:gd name="connsiteX1" fmla="*/ 299506 w 299506"/>
+                  <a:gd name="connsiteY1" fmla="*/ 0 h 256598"/>
+                  <a:gd name="connsiteX2" fmla="*/ 299506 w 299506"/>
+                  <a:gd name="connsiteY2" fmla="*/ 59120 h 256598"/>
+                  <a:gd name="connsiteX3" fmla="*/ 259870 w 299506"/>
+                  <a:gd name="connsiteY3" fmla="*/ 62376 h 256598"/>
+                  <a:gd name="connsiteX4" fmla="*/ 174760 w 299506"/>
+                  <a:gd name="connsiteY4" fmla="*/ 114632 h 256598"/>
+                  <a:gd name="connsiteX5" fmla="*/ 174760 w 299506"/>
+                  <a:gd name="connsiteY5" fmla="*/ 256598 h 256598"/>
+                  <a:gd name="connsiteX6" fmla="*/ 0 w 299506"/>
+                  <a:gd name="connsiteY6" fmla="*/ 256598 h 256598"/>
+                </a:gdLst>
+                <a:ahLst/>
+                <a:cxnLst>
+                  <a:cxn ang="0">
+                    <a:pos x="connsiteX0" y="connsiteY0"/>
+                  </a:cxn>
+                  <a:cxn ang="0">
+                    <a:pos x="connsiteX1" y="connsiteY1"/>
+                  </a:cxn>
+                  <a:cxn ang="0">
+                    <a:pos x="connsiteX2" y="connsiteY2"/>
+                  </a:cxn>
+                  <a:cxn ang="0">
+                    <a:pos x="connsiteX3" y="connsiteY3"/>
+                  </a:cxn>
+                  <a:cxn ang="0">
+                    <a:pos x="connsiteX4" y="connsiteY4"/>
+                  </a:cxn>
+                  <a:cxn ang="0">
+                    <a:pos x="connsiteX5" y="connsiteY5"/>
+                  </a:cxn>
+                  <a:cxn ang="0">
+                    <a:pos x="connsiteX6" y="connsiteY6"/>
+                  </a:cxn>
+                </a:cxnLst>
+                <a:rect l="l" t="t" r="r" b="b"/>
+                <a:pathLst>
+                  <a:path w="299506" h="256598">
+                    <a:moveTo>
+                      <a:pt x="0" y="0"/>
+                    </a:moveTo>
+                    <a:lnTo>
+                      <a:pt x="299506" y="0"/>
+                    </a:lnTo>
+                    <a:lnTo>
+                      <a:pt x="299506" y="59120"/>
+                    </a:lnTo>
+                    <a:lnTo>
+                      <a:pt x="259870" y="62376"/>
+                    </a:lnTo>
+                    <a:cubicBezTo>
+                      <a:pt x="209859" y="70983"/>
+                      <a:pt x="174760" y="91133"/>
+                      <a:pt x="174760" y="114632"/>
+                    </a:cubicBezTo>
+                    <a:lnTo>
+                      <a:pt x="174760" y="256598"/>
+                    </a:lnTo>
+                    <a:lnTo>
+                      <a:pt x="0" y="256598"/>
+                    </a:lnTo>
+                    <a:close/>
+                  </a:path>
+                </a:pathLst>
+              </a:custGeom>
+              <a:solidFill>
+                <a:schemeClr val="accent6"/>
+              </a:solidFill>
+              <a:ln w="19050">
+                <a:noFill/>
+              </a:ln>
+              <a:effectLst/>
+            </p:spPr>
+            <p:style>
+              <a:lnRef idx="2">
+                <a:schemeClr val="accent1">
+                  <a:shade val="50000"/>
+                </a:schemeClr>
+              </a:lnRef>
+              <a:fillRef idx="1">
+                <a:schemeClr val="accent1"/>
+              </a:fillRef>
+              <a:effectRef idx="0">
+                <a:schemeClr val="accent1"/>
+              </a:effectRef>
+              <a:fontRef idx="minor">
+                <a:schemeClr val="lt1"/>
+              </a:fontRef>
+            </p:style>
+            <p:txBody>
+              <a:bodyPr wrap="square" rtlCol="0" anchor="ctr">
+                <a:noAutofit/>
+              </a:bodyPr>
+              <a:lstStyle/>
+              <a:p>
+                <a:pPr algn="ctr"/>
+                <a:endParaRPr lang="en-SG" dirty="0"/>
+              </a:p>
+            </p:txBody>
+          </p:sp>
+          <p:sp>
+            <p:nvSpPr>
+              <p:cNvPr id="46" name="Freeform: Shape 45">
+                <a:extLst>
+                  <a:ext uri="{FF2B5EF4-FFF2-40B4-BE49-F238E27FC236}">
+                    <a16:creationId xmlns:a16="http://schemas.microsoft.com/office/drawing/2014/main" id="{35178E99-A46B-4D35-9623-917105CAF6A5}"/>
+                  </a:ext>
+                </a:extLst>
+              </p:cNvPr>
+              <p:cNvSpPr/>
+              <p:nvPr/>
+            </p:nvSpPr>
+            <p:spPr>
+              <a:xfrm>
+                <a:off x="5949893" y="1966679"/>
+                <a:ext cx="247321" cy="214869"/>
+              </a:xfrm>
+              <a:custGeom>
+                <a:avLst/>
+                <a:gdLst>
+                  <a:gd name="connsiteX0" fmla="*/ 247321 w 247321"/>
+                  <a:gd name="connsiteY0" fmla="*/ 0 h 214869"/>
+                  <a:gd name="connsiteX1" fmla="*/ 247321 w 247321"/>
+                  <a:gd name="connsiteY1" fmla="*/ 166061 h 214869"/>
+                  <a:gd name="connsiteX2" fmla="*/ 123661 w 247321"/>
+                  <a:gd name="connsiteY2" fmla="*/ 214869 h 214869"/>
+                  <a:gd name="connsiteX3" fmla="*/ 0 w 247321"/>
+                  <a:gd name="connsiteY3" fmla="*/ 166061 h 214869"/>
+                  <a:gd name="connsiteX4" fmla="*/ 0 w 247321"/>
+                  <a:gd name="connsiteY4" fmla="*/ 119 h 214869"/>
+                  <a:gd name="connsiteX5" fmla="*/ 28137 w 247321"/>
+                  <a:gd name="connsiteY5" fmla="*/ 15069 h 214869"/>
+                  <a:gd name="connsiteX6" fmla="*/ 123549 w 247321"/>
+                  <a:gd name="connsiteY6" fmla="*/ 29228 h 214869"/>
+                  <a:gd name="connsiteX7" fmla="*/ 218962 w 247321"/>
+                  <a:gd name="connsiteY7" fmla="*/ 15069 h 214869"/>
+                </a:gdLst>
+                <a:ahLst/>
+                <a:cxnLst>
+                  <a:cxn ang="0">
+                    <a:pos x="connsiteX0" y="connsiteY0"/>
+                  </a:cxn>
+                  <a:cxn ang="0">
+                    <a:pos x="connsiteX1" y="connsiteY1"/>
+                  </a:cxn>
+                  <a:cxn ang="0">
+                    <a:pos x="connsiteX2" y="connsiteY2"/>
+                  </a:cxn>
+                  <a:cxn ang="0">
+                    <a:pos x="connsiteX3" y="connsiteY3"/>
+                  </a:cxn>
+                  <a:cxn ang="0">
+                    <a:pos x="connsiteX4" y="connsiteY4"/>
+                  </a:cxn>
+                  <a:cxn ang="0">
+                    <a:pos x="connsiteX5" y="connsiteY5"/>
+                  </a:cxn>
+                  <a:cxn ang="0">
+                    <a:pos x="connsiteX6" y="connsiteY6"/>
+                  </a:cxn>
+                  <a:cxn ang="0">
+                    <a:pos x="connsiteX7" y="connsiteY7"/>
+                  </a:cxn>
+                </a:cxnLst>
+                <a:rect l="l" t="t" r="r" b="b"/>
+                <a:pathLst>
+                  <a:path w="247321" h="214869">
+                    <a:moveTo>
+                      <a:pt x="247321" y="0"/>
+                    </a:moveTo>
+                    <a:lnTo>
+                      <a:pt x="247321" y="166061"/>
+                    </a:lnTo>
+                    <a:cubicBezTo>
+                      <a:pt x="247321" y="193027"/>
+                      <a:pt x="191946" y="214869"/>
+                      <a:pt x="123661" y="214869"/>
+                    </a:cubicBezTo>
+                    <a:cubicBezTo>
+                      <a:pt x="55375" y="214869"/>
+                      <a:pt x="0" y="193027"/>
+                      <a:pt x="0" y="166061"/>
+                    </a:cubicBezTo>
+                    <a:lnTo>
+                      <a:pt x="0" y="119"/>
+                    </a:lnTo>
+                    <a:lnTo>
+                      <a:pt x="28137" y="15069"/>
+                    </a:lnTo>
+                    <a:cubicBezTo>
+                      <a:pt x="52555" y="23817"/>
+                      <a:pt x="86288" y="29228"/>
+                      <a:pt x="123549" y="29228"/>
+                    </a:cubicBezTo>
+                    <a:cubicBezTo>
+                      <a:pt x="160810" y="29228"/>
+                      <a:pt x="194544" y="23817"/>
+                      <a:pt x="218962" y="15069"/>
+                    </a:cubicBezTo>
+                    <a:close/>
+                  </a:path>
+                </a:pathLst>
+              </a:custGeom>
+              <a:solidFill>
+                <a:schemeClr val="accent6"/>
+              </a:solidFill>
+              <a:ln w="19050">
+                <a:noFill/>
+              </a:ln>
+              <a:effectLst/>
+            </p:spPr>
+            <p:style>
+              <a:lnRef idx="2">
+                <a:schemeClr val="accent1">
+                  <a:shade val="50000"/>
+                </a:schemeClr>
+              </a:lnRef>
+              <a:fillRef idx="1">
+                <a:schemeClr val="accent1"/>
+              </a:fillRef>
+              <a:effectRef idx="0">
+                <a:schemeClr val="accent1"/>
+              </a:effectRef>
+              <a:fontRef idx="minor">
+                <a:schemeClr val="lt1"/>
+              </a:fontRef>
+            </p:style>
+            <p:txBody>
+              <a:bodyPr wrap="square" rtlCol="0" anchor="ctr">
+                <a:noAutofit/>
+              </a:bodyPr>
+              <a:lstStyle/>
+              <a:p>
+                <a:pPr algn="ctr"/>
+                <a:endParaRPr lang="en-SG"/>
+              </a:p>
+            </p:txBody>
+          </p:sp>
+          <p:sp>
+            <p:nvSpPr>
+              <p:cNvPr id="43" name="Oval 42">
+                <a:extLst>
+                  <a:ext uri="{FF2B5EF4-FFF2-40B4-BE49-F238E27FC236}">
+                    <a16:creationId xmlns:a16="http://schemas.microsoft.com/office/drawing/2014/main" id="{30D5DF8B-A9EA-4DC4-B05F-9D7AAB229B0D}"/>
+                  </a:ext>
+                </a:extLst>
+              </p:cNvPr>
+              <p:cNvSpPr/>
+              <p:nvPr/>
+            </p:nvSpPr>
+            <p:spPr>
+              <a:xfrm>
+                <a:off x="5949893" y="1884143"/>
+                <a:ext cx="248512" cy="96681"/>
+              </a:xfrm>
+              <a:prstGeom prst="ellipse">
+                <a:avLst/>
+              </a:prstGeom>
+              <a:solidFill>
+                <a:srgbClr val="F79646"/>
+              </a:solidFill>
+              <a:ln>
+                <a:noFill/>
+              </a:ln>
+            </p:spPr>
+            <p:style>
+              <a:lnRef idx="2">
+                <a:schemeClr val="accent1">
+                  <a:shade val="50000"/>
+                </a:schemeClr>
+              </a:lnRef>
+              <a:fillRef idx="1">
+                <a:schemeClr val="accent1"/>
+              </a:fillRef>
+              <a:effectRef idx="0">
+                <a:schemeClr val="accent1"/>
+              </a:effectRef>
+              <a:fontRef idx="minor">
+                <a:schemeClr val="lt1"/>
+              </a:fontRef>
+            </p:style>
+            <p:txBody>
+              <a:bodyPr rtlCol="0" anchor="ctr"/>
+              <a:lstStyle/>
+              <a:p>
+                <a:pPr algn="ctr"/>
+                <a:endParaRPr lang="en-US" dirty="0"/>
+              </a:p>
+            </p:txBody>
+          </p:sp>
+        </p:grpSp>
+      </p:grpSp>
     </p:spTree>
     <p:extLst>
       <p:ext uri="{BB962C8B-B14F-4D97-AF65-F5344CB8AC3E}">
@@ -15844,9 +16556,7 @@
             <a:prstGeom prst="flowChartExtract">
               <a:avLst/>
             </a:prstGeom>
-            <a:solidFill>
-              <a:schemeClr val="bg1"/>
-            </a:solidFill>
+            <a:noFill/>
             <a:ln w="57150">
               <a:solidFill>
                 <a:srgbClr val="0070C0"/>
